--- a/XiaotongYao_PhD_defense.pptx
+++ b/XiaotongYao_PhD_defense.pptx
@@ -218,7 +218,7 @@
           <a:p>
             <a:fld id="{10B2490E-F12F-4A6A-89F7-C6264FAF5C06}" type="datetimeFigureOut">
               <a:rPr lang="en-US" smtClean="0"/>
-              <a:t>7/30/2021</a:t>
+              <a:t>8/1/2021</a:t>
             </a:fld>
             <a:endParaRPr lang="en-US"/>
           </a:p>
@@ -1190,7 +1190,7 @@
           <a:p>
             <a:fld id="{AB511CBC-BAFD-4D1C-8ACD-FFD366897E94}" type="datetimeFigureOut">
               <a:rPr lang="en-US" smtClean="0"/>
-              <a:t>7/30/2021</a:t>
+              <a:t>8/1/2021</a:t>
             </a:fld>
             <a:endParaRPr lang="en-US"/>
           </a:p>
@@ -1414,7 +1414,7 @@
           <a:p>
             <a:fld id="{AB511CBC-BAFD-4D1C-8ACD-FFD366897E94}" type="datetimeFigureOut">
               <a:rPr lang="en-US" smtClean="0"/>
-              <a:t>7/30/2021</a:t>
+              <a:t>8/1/2021</a:t>
             </a:fld>
             <a:endParaRPr lang="en-US"/>
           </a:p>
@@ -1683,7 +1683,7 @@
           <a:p>
             <a:fld id="{AB511CBC-BAFD-4D1C-8ACD-FFD366897E94}" type="datetimeFigureOut">
               <a:rPr lang="en-US" smtClean="0"/>
-              <a:t>7/30/2021</a:t>
+              <a:t>8/1/2021</a:t>
             </a:fld>
             <a:endParaRPr lang="en-US"/>
           </a:p>
@@ -2104,7 +2104,7 @@
           <a:p>
             <a:fld id="{AB511CBC-BAFD-4D1C-8ACD-FFD366897E94}" type="datetimeFigureOut">
               <a:rPr lang="en-US" smtClean="0"/>
-              <a:t>7/30/2021</a:t>
+              <a:t>8/1/2021</a:t>
             </a:fld>
             <a:endParaRPr lang="en-US"/>
           </a:p>
@@ -2217,7 +2217,7 @@
           <a:p>
             <a:fld id="{AB511CBC-BAFD-4D1C-8ACD-FFD366897E94}" type="datetimeFigureOut">
               <a:rPr lang="en-US" smtClean="0"/>
-              <a:t>7/30/2021</a:t>
+              <a:t>8/1/2021</a:t>
             </a:fld>
             <a:endParaRPr lang="en-US"/>
           </a:p>
@@ -2530,7 +2530,7 @@
           <a:p>
             <a:fld id="{AB511CBC-BAFD-4D1C-8ACD-FFD366897E94}" type="datetimeFigureOut">
               <a:rPr lang="en-US" smtClean="0"/>
-              <a:t>7/30/2021</a:t>
+              <a:t>8/1/2021</a:t>
             </a:fld>
             <a:endParaRPr lang="en-US"/>
           </a:p>
@@ -2821,7 +2821,7 @@
           <a:p>
             <a:fld id="{AB511CBC-BAFD-4D1C-8ACD-FFD366897E94}" type="datetimeFigureOut">
               <a:rPr lang="en-US" smtClean="0"/>
-              <a:t>7/30/2021</a:t>
+              <a:t>8/1/2021</a:t>
             </a:fld>
             <a:endParaRPr lang="en-US"/>
           </a:p>
@@ -3063,7 +3063,7 @@
           <a:p>
             <a:fld id="{AB511CBC-BAFD-4D1C-8ACD-FFD366897E94}" type="datetimeFigureOut">
               <a:rPr lang="en-US" smtClean="0"/>
-              <a:t>7/30/2021</a:t>
+              <a:t>8/1/2021</a:t>
             </a:fld>
             <a:endParaRPr lang="en-US"/>
           </a:p>
@@ -3931,18 +3931,43 @@
       </p:sp>
       <p:sp>
         <p:nvSpPr>
-          <p:cNvPr id="3" name="Content Placeholder 2">
-            <a:extLst>
-              <a:ext uri="{FF2B5EF4-FFF2-40B4-BE49-F238E27FC236}">
-                <a16:creationId xmlns:a16="http://schemas.microsoft.com/office/drawing/2014/main" id="{9CE31A2A-5750-46E9-9091-E2DBC45F3740}"/>
-              </a:ext>
-            </a:extLst>
-          </p:cNvPr>
-          <p:cNvSpPr>
-            <a:spLocks noGrp="1"/>
-          </p:cNvSpPr>
-          <p:nvPr>
-            <p:ph idx="1"/>
+          <p:cNvPr id="4" name="Content Placeholder 3">
+            <a:extLst>
+              <a:ext uri="{FF2B5EF4-FFF2-40B4-BE49-F238E27FC236}">
+                <a16:creationId xmlns:a16="http://schemas.microsoft.com/office/drawing/2014/main" id="{F863FBCA-ABF5-4AB7-A69B-F766C711FDBE}"/>
+              </a:ext>
+            </a:extLst>
+          </p:cNvPr>
+          <p:cNvSpPr>
+            <a:spLocks noGrp="1"/>
+          </p:cNvSpPr>
+          <p:nvPr>
+            <p:ph sz="half" idx="1"/>
+          </p:nvPr>
+        </p:nvSpPr>
+        <p:spPr/>
+        <p:txBody>
+          <a:bodyPr/>
+          <a:lstStyle/>
+          <a:p>
+            <a:endParaRPr lang="en-US"/>
+          </a:p>
+        </p:txBody>
+      </p:sp>
+      <p:sp>
+        <p:nvSpPr>
+          <p:cNvPr id="5" name="Content Placeholder 4">
+            <a:extLst>
+              <a:ext uri="{FF2B5EF4-FFF2-40B4-BE49-F238E27FC236}">
+                <a16:creationId xmlns:a16="http://schemas.microsoft.com/office/drawing/2014/main" id="{D1E714FA-0889-4132-9A28-56A5014A479C}"/>
+              </a:ext>
+            </a:extLst>
+          </p:cNvPr>
+          <p:cNvSpPr>
+            <a:spLocks noGrp="1"/>
+          </p:cNvSpPr>
+          <p:nvPr>
+            <p:ph sz="half" idx="2"/>
           </p:nvPr>
         </p:nvSpPr>
         <p:spPr/>
